--- a/Figures.pptx
+++ b/Figures.pptx
@@ -5,7 +5,7 @@
     <p:sldMasterId id="2147483648" r:id="rId1"/>
   </p:sldMasterIdLst>
   <p:notesMasterIdLst>
-    <p:notesMasterId r:id="rId9"/>
+    <p:notesMasterId r:id="rId10"/>
   </p:notesMasterIdLst>
   <p:sldIdLst>
     <p:sldId id="256" r:id="rId2"/>
@@ -14,7 +14,8 @@
     <p:sldId id="262" r:id="rId5"/>
     <p:sldId id="263" r:id="rId6"/>
     <p:sldId id="260" r:id="rId7"/>
-    <p:sldId id="261" r:id="rId8"/>
+    <p:sldId id="264" r:id="rId8"/>
+    <p:sldId id="261" r:id="rId9"/>
   </p:sldIdLst>
   <p:sldSz cx="12192000" cy="6858000"/>
   <p:notesSz cx="6858000" cy="9144000"/>
@@ -113,6 +114,11 @@
       </a:defRPr>
     </a:lvl9pPr>
   </p:defaultTextStyle>
+  <p:extLst>
+    <p:ext uri="{EFAFB233-063F-42B5-8137-9DF3F51BA10A}">
+      <p15:sldGuideLst xmlns:p15="http://schemas.microsoft.com/office/powerpoint/2012/main"/>
+    </p:ext>
+  </p:extLst>
 </p:presentation>
 </file>
 
@@ -198,7 +204,7 @@
           <a:p>
             <a:fld id="{D5D32C08-AE1C-441A-A931-78EF3429F019}" type="datetimeFigureOut">
               <a:rPr lang="zh-CN" altLang="en-US" smtClean="0"/>
-              <a:t>2025/4/3</a:t>
+              <a:t>2025/4/10</a:t>
             </a:fld>
             <a:endParaRPr lang="zh-CN" altLang="en-US"/>
           </a:p>
@@ -780,7 +786,7 @@
           <a:p>
             <a:fld id="{0F533198-B355-4BEA-BE91-6A5370F35B5F}" type="datetimeFigureOut">
               <a:rPr lang="zh-CN" altLang="en-US" smtClean="0"/>
-              <a:t>2025/4/2</a:t>
+              <a:t>2025/4/10</a:t>
             </a:fld>
             <a:endParaRPr lang="zh-CN" altLang="en-US"/>
           </a:p>
@@ -978,7 +984,7 @@
           <a:p>
             <a:fld id="{0F533198-B355-4BEA-BE91-6A5370F35B5F}" type="datetimeFigureOut">
               <a:rPr lang="zh-CN" altLang="en-US" smtClean="0"/>
-              <a:t>2025/4/2</a:t>
+              <a:t>2025/4/10</a:t>
             </a:fld>
             <a:endParaRPr lang="zh-CN" altLang="en-US"/>
           </a:p>
@@ -1186,7 +1192,7 @@
           <a:p>
             <a:fld id="{0F533198-B355-4BEA-BE91-6A5370F35B5F}" type="datetimeFigureOut">
               <a:rPr lang="zh-CN" altLang="en-US" smtClean="0"/>
-              <a:t>2025/4/2</a:t>
+              <a:t>2025/4/10</a:t>
             </a:fld>
             <a:endParaRPr lang="zh-CN" altLang="en-US"/>
           </a:p>
@@ -1384,7 +1390,7 @@
           <a:p>
             <a:fld id="{0F533198-B355-4BEA-BE91-6A5370F35B5F}" type="datetimeFigureOut">
               <a:rPr lang="zh-CN" altLang="en-US" smtClean="0"/>
-              <a:t>2025/4/2</a:t>
+              <a:t>2025/4/10</a:t>
             </a:fld>
             <a:endParaRPr lang="zh-CN" altLang="en-US"/>
           </a:p>
@@ -1659,7 +1665,7 @@
           <a:p>
             <a:fld id="{0F533198-B355-4BEA-BE91-6A5370F35B5F}" type="datetimeFigureOut">
               <a:rPr lang="zh-CN" altLang="en-US" smtClean="0"/>
-              <a:t>2025/4/2</a:t>
+              <a:t>2025/4/10</a:t>
             </a:fld>
             <a:endParaRPr lang="zh-CN" altLang="en-US"/>
           </a:p>
@@ -1924,7 +1930,7 @@
           <a:p>
             <a:fld id="{0F533198-B355-4BEA-BE91-6A5370F35B5F}" type="datetimeFigureOut">
               <a:rPr lang="zh-CN" altLang="en-US" smtClean="0"/>
-              <a:t>2025/4/2</a:t>
+              <a:t>2025/4/10</a:t>
             </a:fld>
             <a:endParaRPr lang="zh-CN" altLang="en-US"/>
           </a:p>
@@ -2336,7 +2342,7 @@
           <a:p>
             <a:fld id="{0F533198-B355-4BEA-BE91-6A5370F35B5F}" type="datetimeFigureOut">
               <a:rPr lang="zh-CN" altLang="en-US" smtClean="0"/>
-              <a:t>2025/4/2</a:t>
+              <a:t>2025/4/10</a:t>
             </a:fld>
             <a:endParaRPr lang="zh-CN" altLang="en-US"/>
           </a:p>
@@ -2477,7 +2483,7 @@
           <a:p>
             <a:fld id="{0F533198-B355-4BEA-BE91-6A5370F35B5F}" type="datetimeFigureOut">
               <a:rPr lang="zh-CN" altLang="en-US" smtClean="0"/>
-              <a:t>2025/4/2</a:t>
+              <a:t>2025/4/10</a:t>
             </a:fld>
             <a:endParaRPr lang="zh-CN" altLang="en-US"/>
           </a:p>
@@ -2590,7 +2596,7 @@
           <a:p>
             <a:fld id="{0F533198-B355-4BEA-BE91-6A5370F35B5F}" type="datetimeFigureOut">
               <a:rPr lang="zh-CN" altLang="en-US" smtClean="0"/>
-              <a:t>2025/4/2</a:t>
+              <a:t>2025/4/10</a:t>
             </a:fld>
             <a:endParaRPr lang="zh-CN" altLang="en-US"/>
           </a:p>
@@ -2901,7 +2907,7 @@
           <a:p>
             <a:fld id="{0F533198-B355-4BEA-BE91-6A5370F35B5F}" type="datetimeFigureOut">
               <a:rPr lang="zh-CN" altLang="en-US" smtClean="0"/>
-              <a:t>2025/4/2</a:t>
+              <a:t>2025/4/10</a:t>
             </a:fld>
             <a:endParaRPr lang="zh-CN" altLang="en-US"/>
           </a:p>
@@ -3189,7 +3195,7 @@
           <a:p>
             <a:fld id="{0F533198-B355-4BEA-BE91-6A5370F35B5F}" type="datetimeFigureOut">
               <a:rPr lang="zh-CN" altLang="en-US" smtClean="0"/>
-              <a:t>2025/4/2</a:t>
+              <a:t>2025/4/10</a:t>
             </a:fld>
             <a:endParaRPr lang="zh-CN" altLang="en-US"/>
           </a:p>
@@ -3430,7 +3436,7 @@
           <a:p>
             <a:fld id="{0F533198-B355-4BEA-BE91-6A5370F35B5F}" type="datetimeFigureOut">
               <a:rPr lang="zh-CN" altLang="en-US" smtClean="0"/>
-              <a:t>2025/4/2</a:t>
+              <a:t>2025/4/10</a:t>
             </a:fld>
             <a:endParaRPr lang="zh-CN" altLang="en-US"/>
           </a:p>
@@ -8730,6 +8736,321 @@
           </a:p>
         </p:txBody>
       </p:sp>
+      <p:sp>
+        <p:nvSpPr>
+          <p:cNvPr id="8" name="矩形: 圆角 7">
+            <a:extLst>
+              <a:ext uri="{FF2B5EF4-FFF2-40B4-BE49-F238E27FC236}">
+                <a16:creationId xmlns:a16="http://schemas.microsoft.com/office/drawing/2014/main" id="{96189182-85D0-4699-BA21-4AE684D307EA}"/>
+              </a:ext>
+            </a:extLst>
+          </p:cNvPr>
+          <p:cNvSpPr/>
+          <p:nvPr/>
+        </p:nvSpPr>
+        <p:spPr>
+          <a:xfrm>
+            <a:off x="4917089" y="4578824"/>
+            <a:ext cx="1445685" cy="668740"/>
+          </a:xfrm>
+          <a:prstGeom prst="roundRect">
+            <a:avLst/>
+          </a:prstGeom>
+          <a:solidFill>
+            <a:schemeClr val="accent2">
+              <a:alpha val="50000"/>
+            </a:schemeClr>
+          </a:solidFill>
+          <a:ln>
+            <a:noFill/>
+          </a:ln>
+        </p:spPr>
+        <p:style>
+          <a:lnRef idx="0">
+            <a:scrgbClr r="0" g="0" b="0"/>
+          </a:lnRef>
+          <a:fillRef idx="0">
+            <a:scrgbClr r="0" g="0" b="0"/>
+          </a:fillRef>
+          <a:effectRef idx="0">
+            <a:scrgbClr r="0" g="0" b="0"/>
+          </a:effectRef>
+          <a:fontRef idx="minor">
+            <a:schemeClr val="lt1"/>
+          </a:fontRef>
+        </p:style>
+        <p:txBody>
+          <a:bodyPr rtlCol="0" anchor="ctr"/>
+          <a:lstStyle/>
+          <a:p>
+            <a:pPr algn="ctr"/>
+            <a:r>
+              <a:rPr lang="zh-CN" altLang="en-US" dirty="0"/>
+              <a:t>消息长度</a:t>
+            </a:r>
+            <a:endParaRPr lang="en-US" altLang="zh-CN" dirty="0"/>
+          </a:p>
+          <a:p>
+            <a:pPr algn="ctr"/>
+            <a:r>
+              <a:rPr lang="en-US" altLang="zh-CN" dirty="0"/>
+              <a:t>4 Byte</a:t>
+            </a:r>
+            <a:endParaRPr lang="zh-CN" altLang="en-US" dirty="0"/>
+          </a:p>
+        </p:txBody>
+      </p:sp>
+      <p:sp>
+        <p:nvSpPr>
+          <p:cNvPr id="9" name="矩形: 圆角 8">
+            <a:extLst>
+              <a:ext uri="{FF2B5EF4-FFF2-40B4-BE49-F238E27FC236}">
+                <a16:creationId xmlns:a16="http://schemas.microsoft.com/office/drawing/2014/main" id="{0F963EB9-76CF-4787-B862-0D3499678D25}"/>
+              </a:ext>
+            </a:extLst>
+          </p:cNvPr>
+          <p:cNvSpPr/>
+          <p:nvPr/>
+        </p:nvSpPr>
+        <p:spPr>
+          <a:xfrm>
+            <a:off x="6417363" y="4578824"/>
+            <a:ext cx="1445685" cy="668740"/>
+          </a:xfrm>
+          <a:prstGeom prst="roundRect">
+            <a:avLst/>
+          </a:prstGeom>
+          <a:solidFill>
+            <a:schemeClr val="accent2">
+              <a:alpha val="50000"/>
+            </a:schemeClr>
+          </a:solidFill>
+          <a:ln>
+            <a:noFill/>
+          </a:ln>
+        </p:spPr>
+        <p:style>
+          <a:lnRef idx="0">
+            <a:scrgbClr r="0" g="0" b="0"/>
+          </a:lnRef>
+          <a:fillRef idx="0">
+            <a:scrgbClr r="0" g="0" b="0"/>
+          </a:fillRef>
+          <a:effectRef idx="0">
+            <a:scrgbClr r="0" g="0" b="0"/>
+          </a:effectRef>
+          <a:fontRef idx="minor">
+            <a:schemeClr val="lt1"/>
+          </a:fontRef>
+        </p:style>
+        <p:txBody>
+          <a:bodyPr rtlCol="0" anchor="ctr"/>
+          <a:lstStyle/>
+          <a:p>
+            <a:pPr algn="ctr"/>
+            <a:r>
+              <a:rPr lang="zh-CN" altLang="en-US" dirty="0"/>
+              <a:t>消息体</a:t>
+            </a:r>
+            <a:endParaRPr lang="en-US" altLang="zh-CN" dirty="0"/>
+          </a:p>
+        </p:txBody>
+      </p:sp>
+      <p:sp>
+        <p:nvSpPr>
+          <p:cNvPr id="10" name="矩形: 圆角 9">
+            <a:extLst>
+              <a:ext uri="{FF2B5EF4-FFF2-40B4-BE49-F238E27FC236}">
+                <a16:creationId xmlns:a16="http://schemas.microsoft.com/office/drawing/2014/main" id="{2573729D-DA7A-46A1-8732-8761923D3F59}"/>
+              </a:ext>
+            </a:extLst>
+          </p:cNvPr>
+          <p:cNvSpPr/>
+          <p:nvPr/>
+        </p:nvSpPr>
+        <p:spPr>
+          <a:xfrm>
+            <a:off x="3416813" y="4578824"/>
+            <a:ext cx="1445686" cy="668740"/>
+          </a:xfrm>
+          <a:prstGeom prst="roundRect">
+            <a:avLst/>
+          </a:prstGeom>
+          <a:solidFill>
+            <a:schemeClr val="accent2">
+              <a:alpha val="50000"/>
+            </a:schemeClr>
+          </a:solidFill>
+          <a:ln>
+            <a:noFill/>
+          </a:ln>
+        </p:spPr>
+        <p:style>
+          <a:lnRef idx="0">
+            <a:scrgbClr r="0" g="0" b="0"/>
+          </a:lnRef>
+          <a:fillRef idx="0">
+            <a:scrgbClr r="0" g="0" b="0"/>
+          </a:fillRef>
+          <a:effectRef idx="0">
+            <a:scrgbClr r="0" g="0" b="0"/>
+          </a:effectRef>
+          <a:fontRef idx="minor">
+            <a:schemeClr val="lt1"/>
+          </a:fontRef>
+        </p:style>
+        <p:txBody>
+          <a:bodyPr rtlCol="0" anchor="ctr"/>
+          <a:lstStyle/>
+          <a:p>
+            <a:pPr algn="ctr"/>
+            <a:r>
+              <a:rPr lang="zh-CN" altLang="en-US" dirty="0"/>
+              <a:t>序列化类型</a:t>
+            </a:r>
+            <a:endParaRPr lang="en-US" altLang="zh-CN" dirty="0"/>
+          </a:p>
+          <a:p>
+            <a:pPr algn="ctr"/>
+            <a:r>
+              <a:rPr lang="en-US" altLang="zh-CN" dirty="0"/>
+              <a:t>2 Byte</a:t>
+            </a:r>
+            <a:endParaRPr lang="zh-CN" altLang="en-US" dirty="0"/>
+          </a:p>
+        </p:txBody>
+      </p:sp>
+      <p:sp>
+        <p:nvSpPr>
+          <p:cNvPr id="11" name="矩形: 圆角 10">
+            <a:extLst>
+              <a:ext uri="{FF2B5EF4-FFF2-40B4-BE49-F238E27FC236}">
+                <a16:creationId xmlns:a16="http://schemas.microsoft.com/office/drawing/2014/main" id="{0CA273EF-1905-48AD-BD23-272B0975ADFF}"/>
+              </a:ext>
+            </a:extLst>
+          </p:cNvPr>
+          <p:cNvSpPr/>
+          <p:nvPr/>
+        </p:nvSpPr>
+        <p:spPr>
+          <a:xfrm>
+            <a:off x="1916536" y="4578824"/>
+            <a:ext cx="1445686" cy="668740"/>
+          </a:xfrm>
+          <a:prstGeom prst="roundRect">
+            <a:avLst/>
+          </a:prstGeom>
+          <a:solidFill>
+            <a:schemeClr val="accent2">
+              <a:alpha val="50000"/>
+            </a:schemeClr>
+          </a:solidFill>
+          <a:ln>
+            <a:noFill/>
+          </a:ln>
+        </p:spPr>
+        <p:style>
+          <a:lnRef idx="0">
+            <a:scrgbClr r="0" g="0" b="0"/>
+          </a:lnRef>
+          <a:fillRef idx="0">
+            <a:scrgbClr r="0" g="0" b="0"/>
+          </a:fillRef>
+          <a:effectRef idx="0">
+            <a:scrgbClr r="0" g="0" b="0"/>
+          </a:effectRef>
+          <a:fontRef idx="minor">
+            <a:schemeClr val="lt1"/>
+          </a:fontRef>
+        </p:style>
+        <p:txBody>
+          <a:bodyPr rtlCol="0" anchor="ctr"/>
+          <a:lstStyle/>
+          <a:p>
+            <a:pPr algn="ctr"/>
+            <a:r>
+              <a:rPr lang="zh-CN" altLang="en-US" dirty="0"/>
+              <a:t>消息类型</a:t>
+            </a:r>
+            <a:endParaRPr lang="en-US" altLang="zh-CN" dirty="0"/>
+          </a:p>
+          <a:p>
+            <a:pPr algn="ctr"/>
+            <a:r>
+              <a:rPr lang="en-US" altLang="zh-CN" dirty="0"/>
+              <a:t>2 Byte</a:t>
+            </a:r>
+            <a:endParaRPr lang="zh-CN" altLang="en-US" dirty="0"/>
+          </a:p>
+        </p:txBody>
+      </p:sp>
+      <p:sp>
+        <p:nvSpPr>
+          <p:cNvPr id="12" name="矩形: 圆角 11">
+            <a:extLst>
+              <a:ext uri="{FF2B5EF4-FFF2-40B4-BE49-F238E27FC236}">
+                <a16:creationId xmlns:a16="http://schemas.microsoft.com/office/drawing/2014/main" id="{C0809BF8-126C-49EB-A6AD-4FC6E603FDB2}"/>
+              </a:ext>
+            </a:extLst>
+          </p:cNvPr>
+          <p:cNvSpPr/>
+          <p:nvPr/>
+        </p:nvSpPr>
+        <p:spPr>
+          <a:xfrm>
+            <a:off x="416259" y="4578824"/>
+            <a:ext cx="1445686" cy="668740"/>
+          </a:xfrm>
+          <a:prstGeom prst="roundRect">
+            <a:avLst/>
+          </a:prstGeom>
+          <a:solidFill>
+            <a:schemeClr val="accent2">
+              <a:alpha val="50000"/>
+            </a:schemeClr>
+          </a:solidFill>
+          <a:ln>
+            <a:noFill/>
+          </a:ln>
+        </p:spPr>
+        <p:style>
+          <a:lnRef idx="0">
+            <a:scrgbClr r="0" g="0" b="0"/>
+          </a:lnRef>
+          <a:fillRef idx="0">
+            <a:scrgbClr r="0" g="0" b="0"/>
+          </a:fillRef>
+          <a:effectRef idx="0">
+            <a:scrgbClr r="0" g="0" b="0"/>
+          </a:effectRef>
+          <a:fontRef idx="minor">
+            <a:schemeClr val="lt1"/>
+          </a:fontRef>
+        </p:style>
+        <p:txBody>
+          <a:bodyPr rtlCol="0" anchor="ctr"/>
+          <a:lstStyle/>
+          <a:p>
+            <a:pPr algn="ctr"/>
+            <a:r>
+              <a:rPr lang="zh-CN" altLang="en-US" dirty="0"/>
+              <a:t>魔数</a:t>
+            </a:r>
+            <a:r>
+              <a:rPr lang="en-US" altLang="zh-CN" dirty="0"/>
+              <a:t>(BRPC)</a:t>
+            </a:r>
+          </a:p>
+          <a:p>
+            <a:pPr algn="ctr"/>
+            <a:r>
+              <a:rPr lang="en-US" altLang="zh-CN" dirty="0"/>
+              <a:t>4 Byte</a:t>
+            </a:r>
+            <a:endParaRPr lang="zh-CN" altLang="en-US" dirty="0"/>
+          </a:p>
+        </p:txBody>
+      </p:sp>
     </p:spTree>
     <p:extLst>
       <p:ext uri="{BB962C8B-B14F-4D97-AF65-F5344CB8AC3E}">
@@ -8744,6 +9065,86 @@
 </file>
 
 <file path=ppt/slides/slide7.xml><?xml version="1.0" encoding="utf-8"?>
+<p:sld xmlns:a="http://schemas.openxmlformats.org/drawingml/2006/main" xmlns:r="http://schemas.openxmlformats.org/officeDocument/2006/relationships" xmlns:p="http://schemas.openxmlformats.org/presentationml/2006/main">
+  <p:cSld>
+    <p:spTree>
+      <p:nvGrpSpPr>
+        <p:cNvPr id="1" name=""/>
+        <p:cNvGrpSpPr/>
+        <p:nvPr/>
+      </p:nvGrpSpPr>
+      <p:grpSpPr>
+        <a:xfrm>
+          <a:off x="0" y="0"/>
+          <a:ext cx="0" cy="0"/>
+          <a:chOff x="0" y="0"/>
+          <a:chExt cx="0" cy="0"/>
+        </a:xfrm>
+      </p:grpSpPr>
+      <p:sp>
+        <p:nvSpPr>
+          <p:cNvPr id="2" name="标题 1">
+            <a:extLst>
+              <a:ext uri="{FF2B5EF4-FFF2-40B4-BE49-F238E27FC236}">
+                <a16:creationId xmlns:a16="http://schemas.microsoft.com/office/drawing/2014/main" id="{6D1A0EC0-6A63-404E-9747-74C0A1C9303C}"/>
+              </a:ext>
+            </a:extLst>
+          </p:cNvPr>
+          <p:cNvSpPr>
+            <a:spLocks noGrp="1"/>
+          </p:cNvSpPr>
+          <p:nvPr>
+            <p:ph type="title"/>
+          </p:nvPr>
+        </p:nvSpPr>
+        <p:spPr/>
+        <p:txBody>
+          <a:bodyPr/>
+          <a:lstStyle/>
+          <a:p>
+            <a:endParaRPr lang="zh-CN" altLang="en-US"/>
+          </a:p>
+        </p:txBody>
+      </p:sp>
+      <p:sp>
+        <p:nvSpPr>
+          <p:cNvPr id="3" name="内容占位符 2">
+            <a:extLst>
+              <a:ext uri="{FF2B5EF4-FFF2-40B4-BE49-F238E27FC236}">
+                <a16:creationId xmlns:a16="http://schemas.microsoft.com/office/drawing/2014/main" id="{1C45CE22-32FC-44AF-B008-B8CC87984442}"/>
+              </a:ext>
+            </a:extLst>
+          </p:cNvPr>
+          <p:cNvSpPr>
+            <a:spLocks noGrp="1"/>
+          </p:cNvSpPr>
+          <p:nvPr>
+            <p:ph idx="1"/>
+          </p:nvPr>
+        </p:nvSpPr>
+        <p:spPr/>
+        <p:txBody>
+          <a:bodyPr/>
+          <a:lstStyle/>
+          <a:p>
+            <a:endParaRPr lang="zh-CN" altLang="en-US"/>
+          </a:p>
+        </p:txBody>
+      </p:sp>
+    </p:spTree>
+    <p:extLst>
+      <p:ext uri="{BB962C8B-B14F-4D97-AF65-F5344CB8AC3E}">
+        <p14:creationId xmlns:p14="http://schemas.microsoft.com/office/powerpoint/2010/main" val="3420488032"/>
+      </p:ext>
+    </p:extLst>
+  </p:cSld>
+  <p:clrMapOvr>
+    <a:masterClrMapping/>
+  </p:clrMapOvr>
+</p:sld>
+</file>
+
+<file path=ppt/slides/slide8.xml><?xml version="1.0" encoding="utf-8"?>
 <p:sld xmlns:a="http://schemas.openxmlformats.org/drawingml/2006/main" xmlns:r="http://schemas.openxmlformats.org/officeDocument/2006/relationships" xmlns:p="http://schemas.openxmlformats.org/presentationml/2006/main">
   <p:cSld>
     <p:spTree>
